--- a/Documents/Architecture/NervousNet_Redesign.pptx
+++ b/Documents/Architecture/NervousNet_Redesign.pptx
@@ -7341,7 +7341,7 @@
           <a:p>
             <a:fld id="{E29EADBD-8C2A-0E4C-92CE-5EBFF6224A3A}" type="datetime1">
               <a:rPr lang="en-US" smtClean="0"/>
-              <a:t>23/03/16</a:t>
+              <a:t>30/03/16</a:t>
             </a:fld>
             <a:endParaRPr lang="en-US"/>
           </a:p>
@@ -7511,7 +7511,7 @@
           <a:p>
             <a:fld id="{00A2197B-82DA-B840-975D-6BA3EE4C2DC8}" type="datetime1">
               <a:rPr lang="en-US" smtClean="0"/>
-              <a:t>23/03/16</a:t>
+              <a:t>30/03/16</a:t>
             </a:fld>
             <a:endParaRPr lang="en-US"/>
           </a:p>
@@ -8339,7 +8339,7 @@
           <a:p>
             <a:fld id="{D9367090-103A-FA49-A3B4-31066D77167B}" type="datetime1">
               <a:rPr lang="en-US" smtClean="0"/>
-              <a:t>23/03/16</a:t>
+              <a:t>30/03/16</a:t>
             </a:fld>
             <a:endParaRPr lang="en-US"/>
           </a:p>
@@ -8664,7 +8664,7 @@
           <a:p>
             <a:fld id="{ABC2C74B-38EB-6142-981A-F4874F5C558C}" type="datetime1">
               <a:rPr lang="en-US" smtClean="0"/>
-              <a:t>23/03/16</a:t>
+              <a:t>30/03/16</a:t>
             </a:fld>
             <a:endParaRPr lang="en-US"/>
           </a:p>
@@ -8945,7 +8945,7 @@
           <a:p>
             <a:fld id="{2E308B6A-9F4E-B64E-B36C-0598F402E0B0}" type="datetime1">
               <a:rPr lang="en-US" smtClean="0"/>
-              <a:t>23/03/16</a:t>
+              <a:t>30/03/16</a:t>
             </a:fld>
             <a:endParaRPr lang="en-US"/>
           </a:p>
@@ -9243,7 +9243,7 @@
           <a:p>
             <a:fld id="{85937D96-DDC1-4747-AA95-A033CACCB96C}" type="datetime1">
               <a:rPr lang="en-US" smtClean="0"/>
-              <a:t>23/03/16</a:t>
+              <a:t>30/03/16</a:t>
             </a:fld>
             <a:endParaRPr lang="en-US"/>
           </a:p>
@@ -9576,7 +9576,7 @@
           <a:p>
             <a:fld id="{5321CDED-9626-FA46-9EE7-E82FB8600649}" type="datetime1">
               <a:rPr lang="en-US" smtClean="0"/>
-              <a:t>23/03/16</a:t>
+              <a:t>30/03/16</a:t>
             </a:fld>
             <a:endParaRPr lang="en-US"/>
           </a:p>
@@ -9831,7 +9831,7 @@
           <a:p>
             <a:fld id="{1C24507A-5856-C541-981B-4412383053C8}" type="datetime1">
               <a:rPr lang="en-US" smtClean="0"/>
-              <a:t>23/03/16</a:t>
+              <a:t>30/03/16</a:t>
             </a:fld>
             <a:endParaRPr lang="en-US"/>
           </a:p>
@@ -10014,7 +10014,7 @@
           <a:p>
             <a:fld id="{6905DD47-EC52-8743-A4BF-BDFBFBA3AE81}" type="datetime1">
               <a:rPr lang="en-US" smtClean="0"/>
-              <a:t>23/03/16</a:t>
+              <a:t>30/03/16</a:t>
             </a:fld>
             <a:endParaRPr lang="en-US"/>
           </a:p>
@@ -10187,7 +10187,7 @@
           <a:p>
             <a:fld id="{1D77DB73-494B-5E4A-8019-F4524E111BAF}" type="datetime1">
               <a:rPr lang="en-US" smtClean="0"/>
-              <a:t>23/03/16</a:t>
+              <a:t>30/03/16</a:t>
             </a:fld>
             <a:endParaRPr lang="en-US"/>
           </a:p>
@@ -10460,7 +10460,7 @@
           <a:p>
             <a:fld id="{5A88EB98-4821-3849-86D7-AEAB3699D07C}" type="datetime1">
               <a:rPr lang="en-US" smtClean="0"/>
-              <a:t>23/03/16</a:t>
+              <a:t>30/03/16</a:t>
             </a:fld>
             <a:endParaRPr lang="en-US"/>
           </a:p>
@@ -10771,7 +10771,7 @@
           <a:p>
             <a:fld id="{E2211E45-9E9F-C742-80C0-3820C3566BB1}" type="datetime1">
               <a:rPr lang="en-US" smtClean="0"/>
-              <a:t>23/03/16</a:t>
+              <a:t>30/03/16</a:t>
             </a:fld>
             <a:endParaRPr lang="en-US"/>
           </a:p>
@@ -11067,7 +11067,7 @@
           <a:p>
             <a:fld id="{CB5CC828-769C-E54C-9215-692401F93968}" type="datetime1">
               <a:rPr lang="en-US" smtClean="0"/>
-              <a:t>23/03/16</a:t>
+              <a:t>30/03/16</a:t>
             </a:fld>
             <a:endParaRPr lang="en-US"/>
           </a:p>
@@ -11501,7 +11501,7 @@
           <a:p>
             <a:fld id="{1AA2AE0E-A114-5642-B6C6-FD149E76306E}" type="datetime1">
               <a:rPr lang="en-US" smtClean="0"/>
-              <a:t>23/03/16</a:t>
+              <a:t>30/03/16</a:t>
             </a:fld>
             <a:endParaRPr lang="en-US"/>
           </a:p>
@@ -11851,7 +11851,7 @@
           <a:p>
             <a:fld id="{8A715A52-2182-4049-98B2-F3202A644989}" type="datetime1">
               <a:rPr lang="en-US" smtClean="0"/>
-              <a:t>23/03/16</a:t>
+              <a:t>30/03/16</a:t>
             </a:fld>
             <a:endParaRPr lang="en-US"/>
           </a:p>
@@ -11945,7 +11945,7 @@
           <a:p>
             <a:fld id="{3CF4FDC8-DC40-7C44-B03A-3EFB3AAE78B7}" type="datetime1">
               <a:rPr lang="en-US" smtClean="0"/>
-              <a:t>23/03/16</a:t>
+              <a:t>30/03/16</a:t>
             </a:fld>
             <a:endParaRPr lang="en-US"/>
           </a:p>
@@ -12286,7 +12286,7 @@
           <a:p>
             <a:fld id="{22BC680A-A1C5-9D47-898A-4B941B6FDB12}" type="datetime1">
               <a:rPr lang="en-US" smtClean="0"/>
-              <a:t>23/03/16</a:t>
+              <a:t>30/03/16</a:t>
             </a:fld>
             <a:endParaRPr lang="en-US"/>
           </a:p>
@@ -12502,7 +12502,7 @@
           <a:p>
             <a:fld id="{A94D9655-E859-0A4D-ABA6-66C7095048D0}" type="datetime1">
               <a:rPr lang="en-US" smtClean="0"/>
-              <a:t>23/03/16</a:t>
+              <a:t>30/03/16</a:t>
             </a:fld>
             <a:endParaRPr lang="en-US"/>
           </a:p>
@@ -13092,10 +13092,6 @@
           </a:bodyPr>
           <a:lstStyle/>
           <a:p>
-            <a:r>
-              <a:rPr lang="en-US" dirty="0" smtClean="0"/>
-              <a:t>Re-engineering</a:t>
-            </a:r>
             <a:endParaRPr lang="en-US" dirty="0"/>
           </a:p>
         </p:txBody>
@@ -25717,7 +25713,7 @@
           <p:nvPr>
             <p:extLst>
               <p:ext uri="{D42A27DB-BD31-4B8C-83A1-F6EECF244321}">
-                <p14:modId xmlns:p14="http://schemas.microsoft.com/office/powerpoint/2010/main" val="254142144"/>
+                <p14:modId xmlns:p14="http://schemas.microsoft.com/office/powerpoint/2010/main" val="1610489036"/>
               </p:ext>
             </p:extLst>
           </p:nvPr>
@@ -25740,8 +25736,8 @@
         </p:nvSpPr>
         <p:spPr>
           <a:xfrm>
-            <a:off x="7302571" y="3051217"/>
-            <a:ext cx="1283045" cy="292388"/>
+            <a:off x="6760711" y="3512552"/>
+            <a:ext cx="1820749" cy="292388"/>
           </a:xfrm>
           <a:prstGeom prst="rect">
             <a:avLst/>
@@ -25786,21 +25782,22 @@
           </a:lstStyle>
           <a:p>
             <a:r>
-              <a:rPr lang="en-US" dirty="0"/>
-              <a:t>Internal</a:t>
-            </a:r>
-          </a:p>
-        </p:txBody>
-      </p:sp>
-      <p:sp>
-        <p:nvSpPr>
-          <p:cNvPr id="4" name="TextBox 3"/>
+              <a:rPr lang="en-US" dirty="0" smtClean="0"/>
+              <a:t>Mobile Applications</a:t>
+            </a:r>
+            <a:endParaRPr lang="en-US" dirty="0"/>
+          </a:p>
+        </p:txBody>
+      </p:sp>
+      <p:sp>
+        <p:nvSpPr>
+          <p:cNvPr id="6" name="TextBox 5"/>
           <p:cNvSpPr txBox="1"/>
           <p:nvPr/>
         </p:nvSpPr>
         <p:spPr>
           <a:xfrm>
-            <a:off x="7302571" y="4046589"/>
+            <a:off x="1094090" y="3051217"/>
             <a:ext cx="1283045" cy="292388"/>
           </a:xfrm>
           <a:prstGeom prst="rect">
@@ -25847,20 +25844,20 @@
           <a:p>
             <a:r>
               <a:rPr lang="en-US" dirty="0"/>
-              <a:t>External</a:t>
-            </a:r>
-          </a:p>
-        </p:txBody>
-      </p:sp>
-      <p:sp>
-        <p:nvSpPr>
-          <p:cNvPr id="5" name="TextBox 4"/>
+              <a:t>Forums</a:t>
+            </a:r>
+          </a:p>
+        </p:txBody>
+      </p:sp>
+      <p:sp>
+        <p:nvSpPr>
+          <p:cNvPr id="7" name="TextBox 6"/>
           <p:cNvSpPr txBox="1"/>
           <p:nvPr/>
         </p:nvSpPr>
         <p:spPr>
           <a:xfrm>
-            <a:off x="7302571" y="3574252"/>
+            <a:off x="1094090" y="3813964"/>
             <a:ext cx="1283045" cy="292388"/>
           </a:xfrm>
           <a:prstGeom prst="rect">
@@ -25907,20 +25904,20 @@
           <a:p>
             <a:r>
               <a:rPr lang="en-US" dirty="0"/>
-              <a:t>White-label</a:t>
-            </a:r>
-          </a:p>
-        </p:txBody>
-      </p:sp>
-      <p:sp>
-        <p:nvSpPr>
-          <p:cNvPr id="6" name="TextBox 5"/>
+              <a:t>Tutorials </a:t>
+            </a:r>
+          </a:p>
+        </p:txBody>
+      </p:sp>
+      <p:sp>
+        <p:nvSpPr>
+          <p:cNvPr id="8" name="TextBox 7"/>
           <p:cNvSpPr txBox="1"/>
           <p:nvPr/>
         </p:nvSpPr>
         <p:spPr>
           <a:xfrm>
-            <a:off x="1094090" y="3051217"/>
+            <a:off x="2947202" y="4129498"/>
             <a:ext cx="1283045" cy="292388"/>
           </a:xfrm>
           <a:prstGeom prst="rect">
@@ -25967,20 +25964,20 @@
           <a:p>
             <a:r>
               <a:rPr lang="en-US" dirty="0"/>
-              <a:t>Forums</a:t>
-            </a:r>
-          </a:p>
-        </p:txBody>
-      </p:sp>
-      <p:sp>
-        <p:nvSpPr>
-          <p:cNvPr id="7" name="TextBox 6"/>
+              <a:t>Blogs</a:t>
+            </a:r>
+          </a:p>
+        </p:txBody>
+      </p:sp>
+      <p:sp>
+        <p:nvSpPr>
+          <p:cNvPr id="10" name="TextBox 9"/>
           <p:cNvSpPr txBox="1"/>
           <p:nvPr/>
         </p:nvSpPr>
         <p:spPr>
           <a:xfrm>
-            <a:off x="1094090" y="3813964"/>
+            <a:off x="5371293" y="1203334"/>
             <a:ext cx="1283045" cy="292388"/>
           </a:xfrm>
           <a:prstGeom prst="rect">
@@ -26027,21 +26024,21 @@
           <a:p>
             <a:r>
               <a:rPr lang="en-US" dirty="0"/>
-              <a:t>Tutorials </a:t>
-            </a:r>
-          </a:p>
-        </p:txBody>
-      </p:sp>
-      <p:sp>
-        <p:nvSpPr>
-          <p:cNvPr id="8" name="TextBox 7"/>
+              <a:t>Visualization</a:t>
+            </a:r>
+          </a:p>
+        </p:txBody>
+      </p:sp>
+      <p:sp>
+        <p:nvSpPr>
+          <p:cNvPr id="11" name="TextBox 10"/>
           <p:cNvSpPr txBox="1"/>
           <p:nvPr/>
         </p:nvSpPr>
         <p:spPr>
           <a:xfrm>
-            <a:off x="2947202" y="4129498"/>
-            <a:ext cx="1283045" cy="292388"/>
+            <a:off x="7302571" y="2255325"/>
+            <a:ext cx="1426562" cy="292388"/>
           </a:xfrm>
           <a:prstGeom prst="rect">
             <a:avLst/>
@@ -26086,21 +26083,22 @@
           </a:lstStyle>
           <a:p>
             <a:r>
-              <a:rPr lang="en-US" dirty="0"/>
-              <a:t>Blogs</a:t>
-            </a:r>
-          </a:p>
-        </p:txBody>
-      </p:sp>
-      <p:sp>
-        <p:nvSpPr>
-          <p:cNvPr id="10" name="TextBox 9"/>
+              <a:rPr lang="en-US" dirty="0" smtClean="0"/>
+              <a:t>Data Analytics</a:t>
+            </a:r>
+            <a:endParaRPr lang="en-US" dirty="0"/>
+          </a:p>
+        </p:txBody>
+      </p:sp>
+      <p:sp>
+        <p:nvSpPr>
+          <p:cNvPr id="13" name="TextBox 12"/>
           <p:cNvSpPr txBox="1"/>
           <p:nvPr/>
         </p:nvSpPr>
         <p:spPr>
           <a:xfrm>
-            <a:off x="5371293" y="1203334"/>
+            <a:off x="3091134" y="1203334"/>
             <a:ext cx="1283045" cy="292388"/>
           </a:xfrm>
           <a:prstGeom prst="rect">
@@ -26147,21 +26145,146 @@
           <a:p>
             <a:r>
               <a:rPr lang="en-US" dirty="0"/>
-              <a:t>Visualization</a:t>
-            </a:r>
-          </a:p>
-        </p:txBody>
-      </p:sp>
-      <p:sp>
-        <p:nvSpPr>
-          <p:cNvPr id="11" name="TextBox 10"/>
+              <a:t>Maintenance</a:t>
+            </a:r>
+          </a:p>
+        </p:txBody>
+      </p:sp>
+      <p:sp>
+        <p:nvSpPr>
+          <p:cNvPr id="14" name="TextBox 13"/>
           <p:cNvSpPr txBox="1"/>
           <p:nvPr/>
         </p:nvSpPr>
         <p:spPr>
           <a:xfrm>
-            <a:off x="7302571" y="2255325"/>
-            <a:ext cx="1426562" cy="292388"/>
+            <a:off x="0" y="304442"/>
+            <a:ext cx="3367638" cy="369332"/>
+          </a:xfrm>
+          <a:prstGeom prst="rect">
+            <a:avLst/>
+          </a:prstGeom>
+          <a:solidFill>
+            <a:schemeClr val="tx1">
+              <a:lumMod val="65000"/>
+              <a:lumOff val="35000"/>
+            </a:schemeClr>
+          </a:solidFill>
+        </p:spPr>
+        <p:style>
+          <a:lnRef idx="2">
+            <a:schemeClr val="dk1"/>
+          </a:lnRef>
+          <a:fillRef idx="1">
+            <a:schemeClr val="lt1"/>
+          </a:fillRef>
+          <a:effectRef idx="0">
+            <a:schemeClr val="dk1"/>
+          </a:effectRef>
+          <a:fontRef idx="minor">
+            <a:schemeClr val="dk1"/>
+          </a:fontRef>
+        </p:style>
+        <p:txBody>
+          <a:bodyPr wrap="square" rtlCol="0">
+            <a:spAutoFit/>
+          </a:bodyPr>
+          <a:lstStyle/>
+          <a:p>
+            <a:r>
+              <a:rPr lang="en-US" dirty="0" err="1" smtClean="0">
+                <a:solidFill>
+                  <a:schemeClr val="bg1"/>
+                </a:solidFill>
+              </a:rPr>
+              <a:t>nervousnet</a:t>
+            </a:r>
+            <a:endParaRPr lang="en-US" dirty="0">
+              <a:solidFill>
+                <a:schemeClr val="bg1"/>
+              </a:solidFill>
+            </a:endParaRPr>
+          </a:p>
+        </p:txBody>
+      </p:sp>
+      <p:sp>
+        <p:nvSpPr>
+          <p:cNvPr id="15" name="TextBox 14"/>
+          <p:cNvSpPr txBox="1"/>
+          <p:nvPr/>
+        </p:nvSpPr>
+        <p:spPr>
+          <a:xfrm>
+            <a:off x="3091134" y="305137"/>
+            <a:ext cx="5790755" cy="369332"/>
+          </a:xfrm>
+          <a:prstGeom prst="rect">
+            <a:avLst/>
+          </a:prstGeom>
+          <a:solidFill>
+            <a:schemeClr val="bg1">
+              <a:lumMod val="65000"/>
+            </a:schemeClr>
+          </a:solidFill>
+        </p:spPr>
+        <p:style>
+          <a:lnRef idx="2">
+            <a:schemeClr val="dk1"/>
+          </a:lnRef>
+          <a:fillRef idx="1">
+            <a:schemeClr val="lt1"/>
+          </a:fillRef>
+          <a:effectRef idx="0">
+            <a:schemeClr val="dk1"/>
+          </a:effectRef>
+          <a:fontRef idx="minor">
+            <a:schemeClr val="dk1"/>
+          </a:fontRef>
+        </p:style>
+        <p:txBody>
+          <a:bodyPr wrap="square" rtlCol="0">
+            <a:spAutoFit/>
+          </a:bodyPr>
+          <a:lstStyle>
+            <a:defPPr>
+              <a:defRPr lang="en-US"/>
+            </a:defPPr>
+            <a:lvl1pPr>
+              <a:defRPr>
+                <a:solidFill>
+                  <a:schemeClr val="bg1"/>
+                </a:solidFill>
+              </a:defRPr>
+            </a:lvl1pPr>
+          </a:lstStyle>
+          <a:p>
+            <a:pPr algn="r"/>
+            <a:r>
+              <a:rPr lang="en-US" dirty="0" smtClean="0">
+                <a:solidFill>
+                  <a:schemeClr val="tx1"/>
+                </a:solidFill>
+              </a:rPr>
+              <a:t>The Ecosystem</a:t>
+            </a:r>
+            <a:endParaRPr lang="en-US" dirty="0">
+              <a:solidFill>
+                <a:schemeClr val="tx1"/>
+              </a:solidFill>
+            </a:endParaRPr>
+          </a:p>
+        </p:txBody>
+      </p:sp>
+      <p:sp>
+        <p:nvSpPr>
+          <p:cNvPr id="16" name="TextBox 15"/>
+          <p:cNvSpPr txBox="1"/>
+          <p:nvPr/>
+        </p:nvSpPr>
+        <p:spPr>
+          <a:xfrm>
+            <a:off x="6388041" y="1649413"/>
+            <a:ext cx="1283045" cy="492443"/>
           </a:xfrm>
           <a:prstGeom prst="rect">
             <a:avLst/>
@@ -26207,21 +26330,51 @@
           <a:p>
             <a:r>
               <a:rPr lang="en-US" dirty="0" smtClean="0"/>
-              <a:t>Data Analytics</a:t>
+              <a:t>Status Checking </a:t>
             </a:r>
             <a:endParaRPr lang="en-US" dirty="0"/>
           </a:p>
         </p:txBody>
       </p:sp>
-      <p:sp>
-        <p:nvSpPr>
-          <p:cNvPr id="13" name="TextBox 12"/>
+      <p:pic>
+        <p:nvPicPr>
+          <p:cNvPr id="18" name="Picture 17" descr="cropped-cropped-nervousnet-headline1.png"/>
+          <p:cNvPicPr>
+            <a:picLocks noChangeAspect="1"/>
+          </p:cNvPicPr>
+          <p:nvPr/>
+        </p:nvPicPr>
+        <p:blipFill>
+          <a:blip r:embed="rId8">
+            <a:extLst>
+              <a:ext uri="{28A0092B-C50C-407E-A947-70E740481C1C}">
+                <a14:useLocalDpi xmlns:a14="http://schemas.microsoft.com/office/drawing/2010/main" val="0"/>
+              </a:ext>
+            </a:extLst>
+          </a:blip>
+          <a:stretch>
+            <a:fillRect/>
+          </a:stretch>
+        </p:blipFill>
+        <p:spPr>
+          <a:xfrm>
+            <a:off x="3722579" y="2565351"/>
+            <a:ext cx="2319031" cy="428435"/>
+          </a:xfrm>
+          <a:prstGeom prst="rect">
+            <a:avLst/>
+          </a:prstGeom>
+        </p:spPr>
+      </p:pic>
+      <p:sp>
+        <p:nvSpPr>
+          <p:cNvPr id="20" name="TextBox 19"/>
           <p:cNvSpPr txBox="1"/>
           <p:nvPr/>
         </p:nvSpPr>
         <p:spPr>
           <a:xfrm>
-            <a:off x="3091134" y="1203334"/>
+            <a:off x="2084593" y="1742550"/>
             <a:ext cx="1283045" cy="292388"/>
           </a:xfrm>
           <a:prstGeom prst="rect">
@@ -26268,146 +26421,21 @@
           <a:p>
             <a:r>
               <a:rPr lang="en-US" dirty="0"/>
-              <a:t>Maintenance</a:t>
-            </a:r>
-          </a:p>
-        </p:txBody>
-      </p:sp>
-      <p:sp>
-        <p:nvSpPr>
-          <p:cNvPr id="14" name="TextBox 13"/>
+              <a:t>New Features</a:t>
+            </a:r>
+          </a:p>
+        </p:txBody>
+      </p:sp>
+      <p:sp>
+        <p:nvSpPr>
+          <p:cNvPr id="17" name="TextBox 16"/>
           <p:cNvSpPr txBox="1"/>
           <p:nvPr/>
         </p:nvSpPr>
         <p:spPr>
           <a:xfrm>
-            <a:off x="0" y="304442"/>
-            <a:ext cx="3367638" cy="369332"/>
-          </a:xfrm>
-          <a:prstGeom prst="rect">
-            <a:avLst/>
-          </a:prstGeom>
-          <a:solidFill>
-            <a:schemeClr val="tx1">
-              <a:lumMod val="65000"/>
-              <a:lumOff val="35000"/>
-            </a:schemeClr>
-          </a:solidFill>
-        </p:spPr>
-        <p:style>
-          <a:lnRef idx="2">
-            <a:schemeClr val="dk1"/>
-          </a:lnRef>
-          <a:fillRef idx="1">
-            <a:schemeClr val="lt1"/>
-          </a:fillRef>
-          <a:effectRef idx="0">
-            <a:schemeClr val="dk1"/>
-          </a:effectRef>
-          <a:fontRef idx="minor">
-            <a:schemeClr val="dk1"/>
-          </a:fontRef>
-        </p:style>
-        <p:txBody>
-          <a:bodyPr wrap="square" rtlCol="0">
-            <a:spAutoFit/>
-          </a:bodyPr>
-          <a:lstStyle/>
-          <a:p>
-            <a:r>
-              <a:rPr lang="en-US" dirty="0" err="1" smtClean="0">
-                <a:solidFill>
-                  <a:schemeClr val="bg1"/>
-                </a:solidFill>
-              </a:rPr>
-              <a:t>nervousnet</a:t>
-            </a:r>
-            <a:endParaRPr lang="en-US" dirty="0">
-              <a:solidFill>
-                <a:schemeClr val="bg1"/>
-              </a:solidFill>
-            </a:endParaRPr>
-          </a:p>
-        </p:txBody>
-      </p:sp>
-      <p:sp>
-        <p:nvSpPr>
-          <p:cNvPr id="15" name="TextBox 14"/>
-          <p:cNvSpPr txBox="1"/>
-          <p:nvPr/>
-        </p:nvSpPr>
-        <p:spPr>
-          <a:xfrm>
-            <a:off x="3091134" y="305137"/>
-            <a:ext cx="5790755" cy="369332"/>
-          </a:xfrm>
-          <a:prstGeom prst="rect">
-            <a:avLst/>
-          </a:prstGeom>
-          <a:solidFill>
-            <a:schemeClr val="bg1">
-              <a:lumMod val="65000"/>
-            </a:schemeClr>
-          </a:solidFill>
-        </p:spPr>
-        <p:style>
-          <a:lnRef idx="2">
-            <a:schemeClr val="dk1"/>
-          </a:lnRef>
-          <a:fillRef idx="1">
-            <a:schemeClr val="lt1"/>
-          </a:fillRef>
-          <a:effectRef idx="0">
-            <a:schemeClr val="dk1"/>
-          </a:effectRef>
-          <a:fontRef idx="minor">
-            <a:schemeClr val="dk1"/>
-          </a:fontRef>
-        </p:style>
-        <p:txBody>
-          <a:bodyPr wrap="square" rtlCol="0">
-            <a:spAutoFit/>
-          </a:bodyPr>
-          <a:lstStyle>
-            <a:defPPr>
-              <a:defRPr lang="en-US"/>
-            </a:defPPr>
-            <a:lvl1pPr>
-              <a:defRPr>
-                <a:solidFill>
-                  <a:schemeClr val="bg1"/>
-                </a:solidFill>
-              </a:defRPr>
-            </a:lvl1pPr>
-          </a:lstStyle>
-          <a:p>
-            <a:pPr algn="r"/>
-            <a:r>
-              <a:rPr lang="en-US" dirty="0" smtClean="0">
-                <a:solidFill>
-                  <a:schemeClr val="tx1"/>
-                </a:solidFill>
-              </a:rPr>
-              <a:t>The Ecosystem</a:t>
-            </a:r>
-            <a:endParaRPr lang="en-US" dirty="0">
-              <a:solidFill>
-                <a:schemeClr val="tx1"/>
-              </a:solidFill>
-            </a:endParaRPr>
-          </a:p>
-        </p:txBody>
-      </p:sp>
-      <p:sp>
-        <p:nvSpPr>
-          <p:cNvPr id="16" name="TextBox 15"/>
-          <p:cNvSpPr txBox="1"/>
-          <p:nvPr/>
-        </p:nvSpPr>
-        <p:spPr>
-          <a:xfrm>
-            <a:off x="6388041" y="1649413"/>
-            <a:ext cx="1283045" cy="492443"/>
+            <a:off x="5189663" y="3512552"/>
+            <a:ext cx="1283045" cy="292388"/>
           </a:xfrm>
           <a:prstGeom prst="rect">
             <a:avLst/>
@@ -26452,163 +26480,16 @@
           </a:lstStyle>
           <a:p>
             <a:r>
-              <a:rPr lang="en-US" dirty="0" smtClean="0"/>
-              <a:t>Status Checking </a:t>
-            </a:r>
-            <a:endParaRPr lang="en-US" dirty="0"/>
-          </a:p>
-        </p:txBody>
-      </p:sp>
-      <p:pic>
-        <p:nvPicPr>
-          <p:cNvPr id="18" name="Picture 17" descr="cropped-cropped-nervousnet-headline1.png"/>
-          <p:cNvPicPr>
-            <a:picLocks noChangeAspect="1"/>
-          </p:cNvPicPr>
-          <p:nvPr/>
-        </p:nvPicPr>
-        <p:blipFill>
-          <a:blip r:embed="rId8">
-            <a:extLst>
-              <a:ext uri="{28A0092B-C50C-407E-A947-70E740481C1C}">
-                <a14:useLocalDpi xmlns:a14="http://schemas.microsoft.com/office/drawing/2010/main" val="0"/>
-              </a:ext>
-            </a:extLst>
-          </a:blip>
-          <a:stretch>
-            <a:fillRect/>
-          </a:stretch>
-        </p:blipFill>
-        <p:spPr>
-          <a:xfrm>
-            <a:off x="3722579" y="2565351"/>
-            <a:ext cx="2319031" cy="428435"/>
-          </a:xfrm>
-          <a:prstGeom prst="rect">
-            <a:avLst/>
-          </a:prstGeom>
-        </p:spPr>
-      </p:pic>
-      <p:sp>
-        <p:nvSpPr>
-          <p:cNvPr id="20" name="TextBox 19"/>
-          <p:cNvSpPr txBox="1"/>
-          <p:nvPr/>
-        </p:nvSpPr>
-        <p:spPr>
-          <a:xfrm>
-            <a:off x="2084593" y="1742550"/>
-            <a:ext cx="1283045" cy="292388"/>
-          </a:xfrm>
-          <a:prstGeom prst="rect">
-            <a:avLst/>
-          </a:prstGeom>
-          <a:ln w="38100" cmpd="dbl">
-            <a:solidFill>
-              <a:schemeClr val="tx1"/>
-            </a:solidFill>
-          </a:ln>
-        </p:spPr>
-        <p:style>
-          <a:lnRef idx="2">
-            <a:schemeClr val="accent2"/>
-          </a:lnRef>
-          <a:fillRef idx="1">
-            <a:schemeClr val="lt1"/>
-          </a:fillRef>
-          <a:effectRef idx="0">
-            <a:schemeClr val="accent2"/>
-          </a:effectRef>
-          <a:fontRef idx="minor">
-            <a:schemeClr val="dk1"/>
-          </a:fontRef>
-        </p:style>
-        <p:txBody>
-          <a:bodyPr wrap="square" rtlCol="0">
-            <a:spAutoFit/>
-          </a:bodyPr>
-          <a:lstStyle>
-            <a:defPPr>
-              <a:defRPr lang="en-US"/>
-            </a:defPPr>
-            <a:lvl1pPr algn="ctr">
-              <a:defRPr sz="1300" b="1">
-                <a:solidFill>
-                  <a:schemeClr val="bg1">
-                    <a:lumMod val="50000"/>
-                  </a:schemeClr>
-                </a:solidFill>
-              </a:defRPr>
-            </a:lvl1pPr>
-          </a:lstStyle>
-          <a:p>
-            <a:r>
-              <a:rPr lang="en-US" dirty="0"/>
-              <a:t>New Features</a:t>
-            </a:r>
-          </a:p>
-        </p:txBody>
-      </p:sp>
-      <p:sp>
-        <p:nvSpPr>
-          <p:cNvPr id="17" name="TextBox 16"/>
-          <p:cNvSpPr txBox="1"/>
-          <p:nvPr/>
-        </p:nvSpPr>
-        <p:spPr>
-          <a:xfrm>
-            <a:off x="5371293" y="3591186"/>
-            <a:ext cx="1283045" cy="292388"/>
-          </a:xfrm>
-          <a:prstGeom prst="rect">
-            <a:avLst/>
-          </a:prstGeom>
-          <a:ln w="38100" cmpd="dbl">
-            <a:solidFill>
-              <a:schemeClr val="tx1"/>
-            </a:solidFill>
-          </a:ln>
-        </p:spPr>
-        <p:style>
-          <a:lnRef idx="2">
-            <a:schemeClr val="accent2"/>
-          </a:lnRef>
-          <a:fillRef idx="1">
-            <a:schemeClr val="lt1"/>
-          </a:fillRef>
-          <a:effectRef idx="0">
-            <a:schemeClr val="accent2"/>
-          </a:effectRef>
-          <a:fontRef idx="minor">
-            <a:schemeClr val="dk1"/>
-          </a:fontRef>
-        </p:style>
-        <p:txBody>
-          <a:bodyPr wrap="square" rtlCol="0">
-            <a:spAutoFit/>
-          </a:bodyPr>
-          <a:lstStyle>
-            <a:defPPr>
-              <a:defRPr lang="en-US"/>
-            </a:defPPr>
-            <a:lvl1pPr algn="ctr">
-              <a:defRPr sz="1300" b="1">
-                <a:solidFill>
-                  <a:schemeClr val="bg1">
-                    <a:lumMod val="50000"/>
-                  </a:schemeClr>
-                </a:solidFill>
-              </a:defRPr>
-            </a:lvl1pPr>
-          </a:lstStyle>
-          <a:p>
-            <a:r>
               <a:rPr lang="en-US" dirty="0" err="1" smtClean="0"/>
               <a:t>IoT</a:t>
             </a:r>
             <a:r>
               <a:rPr lang="en-US" dirty="0" smtClean="0"/>
-              <a:t> devices</a:t>
+              <a:t> </a:t>
+            </a:r>
+            <a:r>
+              <a:rPr lang="en-US" dirty="0" smtClean="0"/>
+              <a:t>Sensors</a:t>
             </a:r>
             <a:endParaRPr lang="en-US" dirty="0"/>
           </a:p>
@@ -35188,15 +35069,7 @@
                   <a:srgbClr val="7F7F7F"/>
                 </a:solidFill>
               </a:rPr>
-              <a:t>Third party </a:t>
-            </a:r>
-            <a:r>
-              <a:rPr lang="en-US" sz="1100" dirty="0" smtClean="0">
-                <a:solidFill>
-                  <a:srgbClr val="7F7F7F"/>
-                </a:solidFill>
-              </a:rPr>
-              <a:t>applications / Axons</a:t>
+              <a:t>Third party applications / Axons</a:t>
             </a:r>
             <a:endParaRPr lang="en-US" sz="1100" dirty="0">
               <a:solidFill>
@@ -35332,20 +35205,12 @@
           <a:p>
             <a:pPr algn="r"/>
             <a:r>
-              <a:rPr lang="en-US" dirty="0">
+              <a:rPr lang="en-US" smtClean="0">
                 <a:solidFill>
                   <a:schemeClr val="tx1"/>
                 </a:solidFill>
               </a:rPr>
-              <a:t>Proposed </a:t>
-            </a:r>
-            <a:r>
-              <a:rPr lang="en-US" dirty="0" smtClean="0">
-                <a:solidFill>
-                  <a:schemeClr val="tx1"/>
-                </a:solidFill>
-              </a:rPr>
-              <a:t>architecture for re-engineering</a:t>
+              <a:t>Architecture</a:t>
             </a:r>
             <a:endParaRPr lang="en-US" dirty="0">
               <a:solidFill>
@@ -35704,15 +35569,7 @@
                   <a:srgbClr val="7F7F7F"/>
                 </a:solidFill>
               </a:rPr>
-              <a:t>Third party </a:t>
-            </a:r>
-            <a:r>
-              <a:rPr lang="en-US" sz="800" dirty="0" smtClean="0">
-                <a:solidFill>
-                  <a:srgbClr val="7F7F7F"/>
-                </a:solidFill>
-              </a:rPr>
-              <a:t>applications / Extensions</a:t>
+              <a:t>Third party applications / Extensions</a:t>
             </a:r>
             <a:endParaRPr lang="en-US" sz="800" dirty="0">
               <a:solidFill>
